--- a/캡스톤 v6.0.pptx
+++ b/캡스톤 v6.0.pptx
@@ -27569,7 +27569,7 @@
             </a:pPr>
             <a:r>
               <a:rPr lang="ko-KR" altLang="en-US" dirty="0"/>
-              <a:t>오늘의 이슈</a:t>
+              <a:t>오늘의 검색</a:t>
             </a:r>
           </a:p>
         </p:txBody>
@@ -30951,10 +30951,10 @@
       </p:sp>
       <p:pic>
         <p:nvPicPr>
-          <p:cNvPr id="11" name="그림 10">
+          <p:cNvPr id="4" name="그림 3">
             <a:extLst>
               <a:ext uri="{FF2B5EF4-FFF2-40B4-BE49-F238E27FC236}">
-                <a16:creationId xmlns:a16="http://schemas.microsoft.com/office/drawing/2014/main" id="{E10117F6-0BF3-4E38-B055-C0F9F0E3331B}"/>
+                <a16:creationId xmlns:a16="http://schemas.microsoft.com/office/drawing/2014/main" id="{68FB9385-DFD4-406E-A82C-17CE9601A759}"/>
               </a:ext>
             </a:extLst>
           </p:cNvPr>
@@ -30971,8 +30971,8 @@
         </p:blipFill>
         <p:spPr>
           <a:xfrm>
-            <a:off x="7456939" y="665824"/>
-            <a:ext cx="2330738" cy="5290999"/>
+            <a:off x="524801" y="3781180"/>
+            <a:ext cx="5387728" cy="2301678"/>
           </a:xfrm>
           <a:prstGeom prst="rect">
             <a:avLst/>
@@ -30981,10 +30981,10 @@
       </p:pic>
       <p:pic>
         <p:nvPicPr>
-          <p:cNvPr id="4" name="그림 3">
+          <p:cNvPr id="6" name="그림 5">
             <a:extLst>
               <a:ext uri="{FF2B5EF4-FFF2-40B4-BE49-F238E27FC236}">
-                <a16:creationId xmlns:a16="http://schemas.microsoft.com/office/drawing/2014/main" id="{68FB9385-DFD4-406E-A82C-17CE9601A759}"/>
+                <a16:creationId xmlns:a16="http://schemas.microsoft.com/office/drawing/2014/main" id="{941E1202-8A06-4686-B3A8-60622D11CFC6}"/>
               </a:ext>
             </a:extLst>
           </p:cNvPr>
@@ -31001,8 +31001,8 @@
         </p:blipFill>
         <p:spPr>
           <a:xfrm>
-            <a:off x="524801" y="3781180"/>
-            <a:ext cx="5387728" cy="2301678"/>
+            <a:off x="7048870" y="220503"/>
+            <a:ext cx="2625133" cy="6416993"/>
           </a:xfrm>
           <a:prstGeom prst="rect">
             <a:avLst/>
@@ -31619,58 +31619,66 @@
           </a:p>
         </p:txBody>
       </p:sp>
-      <p:sp>
-        <p:nvSpPr>
-          <p:cNvPr id="6" name="직사각형 5">
+      <p:pic>
+        <p:nvPicPr>
+          <p:cNvPr id="7" name="그림 6">
             <a:extLst>
               <a:ext uri="{FF2B5EF4-FFF2-40B4-BE49-F238E27FC236}">
-                <a16:creationId xmlns:a16="http://schemas.microsoft.com/office/drawing/2014/main" id="{25A25301-B2EA-43A1-9371-18D67CEEE2E8}"/>
+                <a16:creationId xmlns:a16="http://schemas.microsoft.com/office/drawing/2014/main" id="{26C2350B-6290-4DF4-866A-FEDBEEC474F1}"/>
               </a:ext>
             </a:extLst>
           </p:cNvPr>
-          <p:cNvSpPr/>
+          <p:cNvPicPr>
+            <a:picLocks noChangeAspect="1"/>
+          </p:cNvPicPr>
           <p:nvPr/>
-        </p:nvSpPr>
+        </p:nvPicPr>
+        <p:blipFill>
+          <a:blip r:embed="rId2"/>
+          <a:stretch>
+            <a:fillRect/>
+          </a:stretch>
+        </p:blipFill>
         <p:spPr>
           <a:xfrm>
-            <a:off x="6293487" y="0"/>
-            <a:ext cx="3199763" cy="6858000"/>
+            <a:off x="7074994" y="843914"/>
+            <a:ext cx="2988809" cy="4749017"/>
           </a:xfrm>
           <a:prstGeom prst="rect">
             <a:avLst/>
           </a:prstGeom>
-          <a:solidFill>
-            <a:schemeClr val="accent6"/>
-          </a:solidFill>
-          <a:ln>
-            <a:noFill/>
-          </a:ln>
         </p:spPr>
-        <p:style>
-          <a:lnRef idx="2">
-            <a:schemeClr val="accent1">
-              <a:shade val="50000"/>
-            </a:schemeClr>
-          </a:lnRef>
-          <a:fillRef idx="1">
-            <a:schemeClr val="accent1"/>
-          </a:fillRef>
-          <a:effectRef idx="0">
-            <a:schemeClr val="accent1"/>
-          </a:effectRef>
-          <a:fontRef idx="minor">
-            <a:schemeClr val="lt1"/>
-          </a:fontRef>
-        </p:style>
-        <p:txBody>
-          <a:bodyPr rtlCol="0" anchor="ctr"/>
-          <a:lstStyle/>
-          <a:p>
-            <a:pPr algn="ctr"/>
-            <a:endParaRPr lang="ko-KR" altLang="en-US" dirty="0"/>
-          </a:p>
-        </p:txBody>
-      </p:sp>
+      </p:pic>
+      <p:pic>
+        <p:nvPicPr>
+          <p:cNvPr id="5" name="그림 4">
+            <a:extLst>
+              <a:ext uri="{FF2B5EF4-FFF2-40B4-BE49-F238E27FC236}">
+                <a16:creationId xmlns:a16="http://schemas.microsoft.com/office/drawing/2014/main" id="{8130DA0D-12C7-4781-8A4B-B55C9A53728D}"/>
+              </a:ext>
+            </a:extLst>
+          </p:cNvPr>
+          <p:cNvPicPr>
+            <a:picLocks noChangeAspect="1"/>
+          </p:cNvPicPr>
+          <p:nvPr/>
+        </p:nvPicPr>
+        <p:blipFill>
+          <a:blip r:embed="rId3"/>
+          <a:stretch>
+            <a:fillRect/>
+          </a:stretch>
+        </p:blipFill>
+        <p:spPr>
+          <a:xfrm>
+            <a:off x="1034571" y="3610113"/>
+            <a:ext cx="4867275" cy="2638425"/>
+          </a:xfrm>
+          <a:prstGeom prst="rect">
+            <a:avLst/>
+          </a:prstGeom>
+        </p:spPr>
+      </p:pic>
     </p:spTree>
     <p:extLst>
       <p:ext uri="{BB962C8B-B14F-4D97-AF65-F5344CB8AC3E}">
